--- a/new!GITHUB運用の勧め.pptx
+++ b/new!GITHUB運用の勧め.pptx
@@ -5,7 +5,7 @@
     <p:sldMasterId id="2147483648" r:id="rId1"/>
   </p:sldMasterIdLst>
   <p:notesMasterIdLst>
-    <p:notesMasterId r:id="rId11"/>
+    <p:notesMasterId r:id="rId12"/>
   </p:notesMasterIdLst>
   <p:sldIdLst>
     <p:sldId id="256" r:id="rId2"/>
@@ -16,7 +16,8 @@
     <p:sldId id="263" r:id="rId7"/>
     <p:sldId id="260" r:id="rId8"/>
     <p:sldId id="264" r:id="rId9"/>
-    <p:sldId id="266" r:id="rId10"/>
+    <p:sldId id="267" r:id="rId10"/>
+    <p:sldId id="266" r:id="rId11"/>
   </p:sldIdLst>
   <p:sldSz cx="12192000" cy="6858000"/>
   <p:notesSz cx="6858000" cy="9144000"/>
@@ -205,7 +206,7 @@
           <a:p>
             <a:fld id="{F9EC3F6F-729F-4772-99B9-342B55CB3BF8}" type="datetimeFigureOut">
               <a:rPr kumimoji="1" lang="ja-JP" altLang="en-US" smtClean="0"/>
-              <a:t>2017/7/20</a:t>
+              <a:t>2017/7/21</a:t>
             </a:fld>
             <a:endParaRPr kumimoji="1" lang="ja-JP" altLang="en-US"/>
           </a:p>
@@ -636,7 +637,7 @@
           <a:p>
             <a:fld id="{1B016D60-7977-4250-98AD-CC5A8A7CB987}" type="datetimeFigureOut">
               <a:rPr kumimoji="1" lang="ja-JP" altLang="en-US" smtClean="0"/>
-              <a:t>2017/7/20</a:t>
+              <a:t>2017/7/21</a:t>
             </a:fld>
             <a:endParaRPr kumimoji="1" lang="ja-JP" altLang="en-US"/>
           </a:p>
@@ -838,7 +839,7 @@
           <a:p>
             <a:fld id="{1B016D60-7977-4250-98AD-CC5A8A7CB987}" type="datetimeFigureOut">
               <a:rPr kumimoji="1" lang="ja-JP" altLang="en-US" smtClean="0"/>
-              <a:t>2017/7/20</a:t>
+              <a:t>2017/7/21</a:t>
             </a:fld>
             <a:endParaRPr kumimoji="1" lang="ja-JP" altLang="en-US"/>
           </a:p>
@@ -1050,7 +1051,7 @@
           <a:p>
             <a:fld id="{1B016D60-7977-4250-98AD-CC5A8A7CB987}" type="datetimeFigureOut">
               <a:rPr kumimoji="1" lang="ja-JP" altLang="en-US" smtClean="0"/>
-              <a:t>2017/7/20</a:t>
+              <a:t>2017/7/21</a:t>
             </a:fld>
             <a:endParaRPr kumimoji="1" lang="ja-JP" altLang="en-US"/>
           </a:p>
@@ -1252,7 +1253,7 @@
           <a:p>
             <a:fld id="{1B016D60-7977-4250-98AD-CC5A8A7CB987}" type="datetimeFigureOut">
               <a:rPr kumimoji="1" lang="ja-JP" altLang="en-US" smtClean="0"/>
-              <a:t>2017/7/20</a:t>
+              <a:t>2017/7/21</a:t>
             </a:fld>
             <a:endParaRPr kumimoji="1" lang="ja-JP" altLang="en-US"/>
           </a:p>
@@ -1498,7 +1499,7 @@
           <a:p>
             <a:fld id="{1B016D60-7977-4250-98AD-CC5A8A7CB987}" type="datetimeFigureOut">
               <a:rPr kumimoji="1" lang="ja-JP" altLang="en-US" smtClean="0"/>
-              <a:t>2017/7/20</a:t>
+              <a:t>2017/7/21</a:t>
             </a:fld>
             <a:endParaRPr kumimoji="1" lang="ja-JP" altLang="en-US"/>
           </a:p>
@@ -1794,7 +1795,7 @@
           <a:p>
             <a:fld id="{1B016D60-7977-4250-98AD-CC5A8A7CB987}" type="datetimeFigureOut">
               <a:rPr kumimoji="1" lang="ja-JP" altLang="en-US" smtClean="0"/>
-              <a:t>2017/7/20</a:t>
+              <a:t>2017/7/21</a:t>
             </a:fld>
             <a:endParaRPr kumimoji="1" lang="ja-JP" altLang="en-US"/>
           </a:p>
@@ -2225,7 +2226,7 @@
           <a:p>
             <a:fld id="{1B016D60-7977-4250-98AD-CC5A8A7CB987}" type="datetimeFigureOut">
               <a:rPr kumimoji="1" lang="ja-JP" altLang="en-US" smtClean="0"/>
-              <a:t>2017/7/20</a:t>
+              <a:t>2017/7/21</a:t>
             </a:fld>
             <a:endParaRPr kumimoji="1" lang="ja-JP" altLang="en-US"/>
           </a:p>
@@ -2343,7 +2344,7 @@
           <a:p>
             <a:fld id="{1B016D60-7977-4250-98AD-CC5A8A7CB987}" type="datetimeFigureOut">
               <a:rPr kumimoji="1" lang="ja-JP" altLang="en-US" smtClean="0"/>
-              <a:t>2017/7/20</a:t>
+              <a:t>2017/7/21</a:t>
             </a:fld>
             <a:endParaRPr kumimoji="1" lang="ja-JP" altLang="en-US"/>
           </a:p>
@@ -2438,7 +2439,7 @@
           <a:p>
             <a:fld id="{1B016D60-7977-4250-98AD-CC5A8A7CB987}" type="datetimeFigureOut">
               <a:rPr kumimoji="1" lang="ja-JP" altLang="en-US" smtClean="0"/>
-              <a:t>2017/7/20</a:t>
+              <a:t>2017/7/21</a:t>
             </a:fld>
             <a:endParaRPr kumimoji="1" lang="ja-JP" altLang="en-US"/>
           </a:p>
@@ -2747,7 +2748,7 @@
           <a:p>
             <a:fld id="{1B016D60-7977-4250-98AD-CC5A8A7CB987}" type="datetimeFigureOut">
               <a:rPr kumimoji="1" lang="ja-JP" altLang="en-US" smtClean="0"/>
-              <a:t>2017/7/20</a:t>
+              <a:t>2017/7/21</a:t>
             </a:fld>
             <a:endParaRPr kumimoji="1" lang="ja-JP" altLang="en-US"/>
           </a:p>
@@ -3000,7 +3001,7 @@
           <a:p>
             <a:fld id="{1B016D60-7977-4250-98AD-CC5A8A7CB987}" type="datetimeFigureOut">
               <a:rPr kumimoji="1" lang="ja-JP" altLang="en-US" smtClean="0"/>
-              <a:t>2017/7/20</a:t>
+              <a:t>2017/7/21</a:t>
             </a:fld>
             <a:endParaRPr kumimoji="1" lang="ja-JP" altLang="en-US"/>
           </a:p>
@@ -3245,7 +3246,7 @@
           <a:p>
             <a:fld id="{1B016D60-7977-4250-98AD-CC5A8A7CB987}" type="datetimeFigureOut">
               <a:rPr kumimoji="1" lang="ja-JP" altLang="en-US" smtClean="0"/>
-              <a:t>2017/7/20</a:t>
+              <a:t>2017/7/21</a:t>
             </a:fld>
             <a:endParaRPr kumimoji="1" lang="ja-JP" altLang="en-US"/>
           </a:p>
@@ -3791,6 +3792,315 @@
 </p:sld>
 </file>
 
+<file path=ppt/slides/slide10.xml><?xml version="1.0" encoding="utf-8"?>
+<p:sld xmlns:a="http://schemas.openxmlformats.org/drawingml/2006/main" xmlns:r="http://schemas.openxmlformats.org/officeDocument/2006/relationships" xmlns:p="http://schemas.openxmlformats.org/presentationml/2006/main">
+  <p:cSld>
+    <p:spTree>
+      <p:nvGrpSpPr>
+        <p:cNvPr id="1" name=""/>
+        <p:cNvGrpSpPr/>
+        <p:nvPr/>
+      </p:nvGrpSpPr>
+      <p:grpSpPr>
+        <a:xfrm>
+          <a:off x="0" y="0"/>
+          <a:ext cx="0" cy="0"/>
+          <a:chOff x="0" y="0"/>
+          <a:chExt cx="0" cy="0"/>
+        </a:xfrm>
+      </p:grpSpPr>
+      <p:pic>
+        <p:nvPicPr>
+          <p:cNvPr id="2" name="図 1"/>
+          <p:cNvPicPr>
+            <a:picLocks noChangeAspect="1"/>
+          </p:cNvPicPr>
+          <p:nvPr/>
+        </p:nvPicPr>
+        <p:blipFill>
+          <a:blip r:embed="rId2">
+            <a:extLst>
+              <a:ext uri="{28A0092B-C50C-407E-A947-70E740481C1C}">
+                <a14:useLocalDpi xmlns:a14="http://schemas.microsoft.com/office/drawing/2010/main" val="0"/>
+              </a:ext>
+            </a:extLst>
+          </a:blip>
+          <a:stretch>
+            <a:fillRect/>
+          </a:stretch>
+        </p:blipFill>
+        <p:spPr>
+          <a:xfrm>
+            <a:off x="0" y="5497393"/>
+            <a:ext cx="4685714" cy="1726984"/>
+          </a:xfrm>
+          <a:prstGeom prst="rect">
+            <a:avLst/>
+          </a:prstGeom>
+        </p:spPr>
+      </p:pic>
+      <p:sp>
+        <p:nvSpPr>
+          <p:cNvPr id="13" name="テキスト ボックス 12"/>
+          <p:cNvSpPr txBox="1"/>
+          <p:nvPr/>
+        </p:nvSpPr>
+        <p:spPr>
+          <a:xfrm>
+            <a:off x="9795587" y="2577003"/>
+            <a:ext cx="612668" cy="1015663"/>
+          </a:xfrm>
+          <a:prstGeom prst="rect">
+            <a:avLst/>
+          </a:prstGeom>
+          <a:noFill/>
+        </p:spPr>
+        <p:txBody>
+          <a:bodyPr wrap="none" rtlCol="0">
+            <a:spAutoFit/>
+          </a:bodyPr>
+          <a:lstStyle/>
+          <a:p>
+            <a:r>
+              <a:rPr kumimoji="1" lang="en-US" altLang="ja-JP" sz="6000" dirty="0" smtClean="0"/>
+              <a:t>9</a:t>
+            </a:r>
+            <a:endParaRPr kumimoji="1" lang="ja-JP" altLang="en-US" sz="6000" dirty="0"/>
+          </a:p>
+        </p:txBody>
+      </p:sp>
+      <p:pic>
+        <p:nvPicPr>
+          <p:cNvPr id="3" name="図 2"/>
+          <p:cNvPicPr>
+            <a:picLocks noChangeAspect="1"/>
+          </p:cNvPicPr>
+          <p:nvPr/>
+        </p:nvPicPr>
+        <p:blipFill>
+          <a:blip r:embed="rId3">
+            <a:extLst>
+              <a:ext uri="{28A0092B-C50C-407E-A947-70E740481C1C}">
+                <a14:useLocalDpi xmlns:a14="http://schemas.microsoft.com/office/drawing/2010/main" val="0"/>
+              </a:ext>
+            </a:extLst>
+          </a:blip>
+          <a:stretch>
+            <a:fillRect/>
+          </a:stretch>
+        </p:blipFill>
+        <p:spPr>
+          <a:xfrm>
+            <a:off x="8423072" y="3510250"/>
+            <a:ext cx="3347750" cy="3347750"/>
+          </a:xfrm>
+          <a:prstGeom prst="rect">
+            <a:avLst/>
+          </a:prstGeom>
+        </p:spPr>
+      </p:pic>
+      <p:sp>
+        <p:nvSpPr>
+          <p:cNvPr id="4" name="テキスト ボックス 3"/>
+          <p:cNvSpPr txBox="1"/>
+          <p:nvPr/>
+        </p:nvSpPr>
+        <p:spPr>
+          <a:xfrm>
+            <a:off x="665018" y="532015"/>
+            <a:ext cx="8824852" cy="3693319"/>
+          </a:xfrm>
+          <a:prstGeom prst="rect">
+            <a:avLst/>
+          </a:prstGeom>
+          <a:noFill/>
+        </p:spPr>
+        <p:txBody>
+          <a:bodyPr wrap="none" rtlCol="0">
+            <a:spAutoFit/>
+          </a:bodyPr>
+          <a:lstStyle/>
+          <a:p>
+            <a:r>
+              <a:rPr kumimoji="1" lang="ja-JP" altLang="en-US" dirty="0" smtClean="0"/>
+              <a:t>今回の流れ</a:t>
+            </a:r>
+            <a:endParaRPr kumimoji="1" lang="en-US" altLang="ja-JP" dirty="0" smtClean="0"/>
+          </a:p>
+          <a:p>
+            <a:endParaRPr lang="en-US" altLang="ja-JP" dirty="0"/>
+          </a:p>
+          <a:p>
+            <a:r>
+              <a:rPr lang="ja-JP" altLang="en-US" dirty="0" smtClean="0"/>
+              <a:t>チーム制作での</a:t>
+            </a:r>
+            <a:r>
+              <a:rPr lang="en-US" altLang="ja-JP" dirty="0" err="1" smtClean="0"/>
+              <a:t>git</a:t>
+            </a:r>
+            <a:r>
+              <a:rPr lang="ja-JP" altLang="en-US" dirty="0" smtClean="0"/>
+              <a:t>運用方法</a:t>
+            </a:r>
+            <a:endParaRPr lang="en-US" altLang="ja-JP" dirty="0" smtClean="0"/>
+          </a:p>
+          <a:p>
+            <a:r>
+              <a:rPr kumimoji="1" lang="ja-JP" altLang="en-US" dirty="0" smtClean="0"/>
+              <a:t>実際に</a:t>
+            </a:r>
+            <a:r>
+              <a:rPr kumimoji="1" lang="en-US" altLang="ja-JP" dirty="0" smtClean="0"/>
+              <a:t>Unity</a:t>
+            </a:r>
+            <a:r>
+              <a:rPr kumimoji="1" lang="ja-JP" altLang="en-US" dirty="0" smtClean="0"/>
+              <a:t>で一人はプレイヤーを作り、もう一人はエネミーを作るという想定で、</a:t>
+            </a:r>
+            <a:endParaRPr kumimoji="1" lang="en-US" altLang="ja-JP" dirty="0" smtClean="0"/>
+          </a:p>
+          <a:p>
+            <a:r>
+              <a:rPr kumimoji="1" lang="ja-JP" altLang="en-US" dirty="0" smtClean="0"/>
+              <a:t>制作を行う。随所で利点なども挟んで行く。</a:t>
+            </a:r>
+            <a:endParaRPr lang="en-US" altLang="ja-JP" dirty="0" smtClean="0"/>
+          </a:p>
+          <a:p>
+            <a:endParaRPr lang="en-US" altLang="ja-JP" dirty="0"/>
+          </a:p>
+          <a:p>
+            <a:r>
+              <a:rPr lang="ja-JP" altLang="en-US" dirty="0" smtClean="0"/>
+              <a:t>作成者</a:t>
+            </a:r>
+            <a:r>
+              <a:rPr lang="en-US" altLang="ja-JP" dirty="0" smtClean="0"/>
+              <a:t>.</a:t>
+            </a:r>
+            <a:r>
+              <a:rPr lang="en-US" altLang="ja-JP" dirty="0" err="1" smtClean="0"/>
+              <a:t>Github</a:t>
+            </a:r>
+            <a:r>
+              <a:rPr lang="ja-JP" altLang="en-US" dirty="0" err="1" smtClean="0"/>
+              <a:t>での</a:t>
+            </a:r>
+            <a:r>
+              <a:rPr lang="ja-JP" altLang="en-US" dirty="0" smtClean="0"/>
+              <a:t>チームでの招待などの説明。</a:t>
+            </a:r>
+            <a:endParaRPr lang="en-US" altLang="ja-JP" dirty="0" smtClean="0"/>
+          </a:p>
+          <a:p>
+            <a:r>
+              <a:rPr lang="ja-JP" altLang="en-US" dirty="0"/>
+              <a:t>作成者</a:t>
+            </a:r>
+            <a:r>
+              <a:rPr lang="en-US" altLang="ja-JP" dirty="0" smtClean="0"/>
+              <a:t>.</a:t>
+            </a:r>
+            <a:r>
+              <a:rPr lang="ja-JP" altLang="en-US" dirty="0" smtClean="0"/>
+              <a:t>基盤の作成。</a:t>
+            </a:r>
+            <a:endParaRPr lang="en-US" altLang="ja-JP" dirty="0" smtClean="0"/>
+          </a:p>
+          <a:p>
+            <a:r>
+              <a:rPr lang="ja-JP" altLang="en-US" dirty="0"/>
+              <a:t>共同者</a:t>
+            </a:r>
+            <a:r>
+              <a:rPr lang="en-US" altLang="ja-JP" dirty="0"/>
+              <a:t>.</a:t>
+            </a:r>
+            <a:r>
+              <a:rPr lang="ja-JP" altLang="en-US" dirty="0" smtClean="0"/>
+              <a:t>参加</a:t>
+            </a:r>
+            <a:endParaRPr lang="en-US" altLang="ja-JP" dirty="0" smtClean="0"/>
+          </a:p>
+          <a:p>
+            <a:r>
+              <a:rPr lang="ja-JP" altLang="en-US" dirty="0" smtClean="0"/>
+              <a:t>作成者＆共同者</a:t>
+            </a:r>
+            <a:r>
+              <a:rPr lang="en-US" altLang="ja-JP" dirty="0" smtClean="0"/>
+              <a:t>.</a:t>
+            </a:r>
+            <a:r>
+              <a:rPr lang="ja-JP" altLang="en-US" dirty="0" smtClean="0"/>
+              <a:t>各々の作業を開始。</a:t>
+            </a:r>
+            <a:endParaRPr lang="en-US" altLang="ja-JP" dirty="0" smtClean="0"/>
+          </a:p>
+          <a:p>
+            <a:r>
+              <a:rPr lang="ja-JP" altLang="en-US" dirty="0" smtClean="0"/>
+              <a:t>共同者</a:t>
+            </a:r>
+            <a:r>
+              <a:rPr lang="en-US" altLang="ja-JP" dirty="0" smtClean="0"/>
+              <a:t>.</a:t>
+            </a:r>
+            <a:r>
+              <a:rPr lang="en-US" altLang="ja-JP" dirty="0" err="1" smtClean="0"/>
+              <a:t>github</a:t>
+            </a:r>
+            <a:r>
+              <a:rPr lang="ja-JP" altLang="en-US" dirty="0" smtClean="0"/>
+              <a:t>にアップロード</a:t>
+            </a:r>
+            <a:endParaRPr lang="en-US" altLang="ja-JP" dirty="0" smtClean="0"/>
+          </a:p>
+          <a:p>
+            <a:r>
+              <a:rPr lang="ja-JP" altLang="en-US" dirty="0" smtClean="0"/>
+              <a:t>作成者アップロードを確認</a:t>
+            </a:r>
+            <a:r>
+              <a:rPr lang="ja-JP" altLang="en-US" dirty="0"/>
+              <a:t>と</a:t>
+            </a:r>
+            <a:r>
+              <a:rPr lang="ja-JP" altLang="en-US" dirty="0" smtClean="0"/>
+              <a:t>統合</a:t>
+            </a:r>
+            <a:endParaRPr lang="en-US" altLang="ja-JP" dirty="0"/>
+          </a:p>
+          <a:p>
+            <a:r>
+              <a:rPr lang="ja-JP" altLang="en-US" dirty="0" smtClean="0"/>
+              <a:t>共同者は違う方法で統合（エラーが出た場合に備えて</a:t>
+            </a:r>
+            <a:endParaRPr lang="en-US" altLang="ja-JP" dirty="0" smtClean="0"/>
+          </a:p>
+        </p:txBody>
+      </p:sp>
+    </p:spTree>
+    <p:extLst>
+      <p:ext uri="{BB962C8B-B14F-4D97-AF65-F5344CB8AC3E}">
+        <p14:creationId xmlns:p14="http://schemas.microsoft.com/office/powerpoint/2010/main" val="2354177630"/>
+      </p:ext>
+    </p:extLst>
+  </p:cSld>
+  <p:clrMapOvr>
+    <a:masterClrMapping/>
+  </p:clrMapOvr>
+  <p:timing>
+    <p:tnLst>
+      <p:par>
+        <p:cTn id="1" dur="indefinite" restart="never" nodeType="tmRoot"/>
+      </p:par>
+    </p:tnLst>
+  </p:timing>
+</p:sld>
+</file>
+
 <file path=ppt/slides/slide2.xml><?xml version="1.0" encoding="utf-8"?>
 <p:sld xmlns:a="http://schemas.openxmlformats.org/drawingml/2006/main" xmlns:r="http://schemas.openxmlformats.org/officeDocument/2006/relationships" xmlns:p="http://schemas.openxmlformats.org/presentationml/2006/main">
   <p:cSld>
@@ -8691,39 +9001,9 @@
           </a:prstGeom>
         </p:spPr>
       </p:pic>
-      <p:sp>
-        <p:nvSpPr>
-          <p:cNvPr id="13" name="テキスト ボックス 12"/>
-          <p:cNvSpPr txBox="1"/>
-          <p:nvPr/>
-        </p:nvSpPr>
-        <p:spPr>
-          <a:xfrm>
-            <a:off x="9795587" y="2577003"/>
-            <a:ext cx="612668" cy="1015663"/>
-          </a:xfrm>
-          <a:prstGeom prst="rect">
-            <a:avLst/>
-          </a:prstGeom>
-          <a:noFill/>
-        </p:spPr>
-        <p:txBody>
-          <a:bodyPr wrap="none" rtlCol="0">
-            <a:spAutoFit/>
-          </a:bodyPr>
-          <a:lstStyle/>
-          <a:p>
-            <a:r>
-              <a:rPr kumimoji="1" lang="en-US" altLang="ja-JP" sz="6000" dirty="0" smtClean="0"/>
-              <a:t>7</a:t>
-            </a:r>
-            <a:endParaRPr kumimoji="1" lang="ja-JP" altLang="en-US" sz="6000" dirty="0"/>
-          </a:p>
-        </p:txBody>
-      </p:sp>
       <p:pic>
         <p:nvPicPr>
-          <p:cNvPr id="3" name="図 2"/>
+          <p:cNvPr id="4" name="図 3"/>
           <p:cNvPicPr>
             <a:picLocks noChangeAspect="1"/>
           </p:cNvPicPr>
@@ -8743,8 +9023,8 @@
         </p:blipFill>
         <p:spPr>
           <a:xfrm>
-            <a:off x="8423072" y="3510250"/>
-            <a:ext cx="3347750" cy="3347750"/>
+            <a:off x="7817525" y="2964581"/>
+            <a:ext cx="4259796" cy="4259796"/>
           </a:xfrm>
           <a:prstGeom prst="rect">
             <a:avLst/>
@@ -8753,14 +9033,14 @@
       </p:pic>
       <p:sp>
         <p:nvSpPr>
-          <p:cNvPr id="4" name="テキスト ボックス 3"/>
+          <p:cNvPr id="5" name="テキスト ボックス 4"/>
           <p:cNvSpPr txBox="1"/>
           <p:nvPr/>
         </p:nvSpPr>
         <p:spPr>
           <a:xfrm>
-            <a:off x="665018" y="532015"/>
-            <a:ext cx="8824852" cy="3693319"/>
+            <a:off x="9795587" y="2456749"/>
+            <a:ext cx="612668" cy="1015663"/>
           </a:xfrm>
           <a:prstGeom prst="rect">
             <a:avLst/>
@@ -8774,160 +9054,156 @@
           <a:lstStyle/>
           <a:p>
             <a:r>
-              <a:rPr kumimoji="1" lang="ja-JP" altLang="en-US" dirty="0" smtClean="0"/>
-              <a:t>今回の流れ</a:t>
-            </a:r>
-            <a:endParaRPr kumimoji="1" lang="en-US" altLang="ja-JP" dirty="0" smtClean="0"/>
-          </a:p>
-          <a:p>
-            <a:endParaRPr lang="en-US" altLang="ja-JP" dirty="0"/>
-          </a:p>
-          <a:p>
+              <a:rPr lang="en-US" altLang="ja-JP" sz="6000" dirty="0"/>
+              <a:t>8</a:t>
+            </a:r>
+            <a:endParaRPr kumimoji="1" lang="ja-JP" altLang="en-US" sz="6000" dirty="0"/>
+          </a:p>
+        </p:txBody>
+      </p:sp>
+      <p:sp>
+        <p:nvSpPr>
+          <p:cNvPr id="6" name="テキスト ボックス 5"/>
+          <p:cNvSpPr txBox="1"/>
+          <p:nvPr/>
+        </p:nvSpPr>
+        <p:spPr>
+          <a:xfrm>
+            <a:off x="318357" y="267128"/>
+            <a:ext cx="1826141" cy="584775"/>
+          </a:xfrm>
+          <a:prstGeom prst="rect">
+            <a:avLst/>
+          </a:prstGeom>
+          <a:noFill/>
+        </p:spPr>
+        <p:txBody>
+          <a:bodyPr wrap="none" rtlCol="0">
+            <a:spAutoFit/>
+          </a:bodyPr>
+          <a:lstStyle/>
+          <a:p>
+            <a:r>
+              <a:rPr lang="ja-JP" altLang="en-US" sz="3200" b="1" dirty="0" smtClean="0"/>
+              <a:t>用語</a:t>
+            </a:r>
+            <a:r>
+              <a:rPr lang="ja-JP" altLang="en-US" sz="3200" b="1" dirty="0"/>
+              <a:t>解説</a:t>
+            </a:r>
+            <a:endParaRPr kumimoji="1" lang="ja-JP" altLang="en-US" sz="3200" b="1" dirty="0"/>
+          </a:p>
+        </p:txBody>
+      </p:sp>
+      <p:sp>
+        <p:nvSpPr>
+          <p:cNvPr id="7" name="テキスト ボックス 6"/>
+          <p:cNvSpPr txBox="1"/>
+          <p:nvPr/>
+        </p:nvSpPr>
+        <p:spPr>
+          <a:xfrm>
+            <a:off x="318357" y="1423200"/>
+            <a:ext cx="6878806" cy="2308324"/>
+          </a:xfrm>
+          <a:prstGeom prst="rect">
+            <a:avLst/>
+          </a:prstGeom>
+          <a:noFill/>
+        </p:spPr>
+        <p:txBody>
+          <a:bodyPr wrap="none" rtlCol="0">
+            <a:spAutoFit/>
+          </a:bodyPr>
+          <a:lstStyle/>
+          <a:p>
+            <a:r>
+              <a:rPr lang="en-US" altLang="ja-JP" b="1" dirty="0" smtClean="0"/>
+              <a:t>Issues</a:t>
+            </a:r>
+            <a:r>
+              <a:rPr lang="ja-JP" altLang="en-US" b="1" dirty="0" smtClean="0"/>
+              <a:t>（問題点、開発）</a:t>
+            </a:r>
+            <a:endParaRPr lang="en-US" altLang="ja-JP" b="1" dirty="0" smtClean="0"/>
+          </a:p>
+          <a:p>
+            <a:r>
+              <a:rPr lang="ja-JP" altLang="en-US" dirty="0"/>
+              <a:t>誰</a:t>
+            </a:r>
             <a:r>
               <a:rPr lang="ja-JP" altLang="en-US" dirty="0" smtClean="0"/>
-              <a:t>チーム制作での</a:t>
-            </a:r>
-            <a:r>
-              <a:rPr lang="en-US" altLang="ja-JP" dirty="0" err="1" smtClean="0"/>
-              <a:t>git</a:t>
-            </a:r>
+              <a:t>が何の開発をしているか書いておく。</a:t>
+            </a:r>
+            <a:endParaRPr lang="en-US" altLang="ja-JP" dirty="0" smtClean="0"/>
+          </a:p>
+          <a:p>
+            <a:r>
+              <a:rPr lang="en-US" altLang="ja-JP" b="1" dirty="0" err="1" smtClean="0"/>
+              <a:t>PullRequest</a:t>
+            </a:r>
+            <a:r>
+              <a:rPr lang="en-US" altLang="ja-JP" b="1" dirty="0" smtClean="0"/>
+              <a:t>(</a:t>
+            </a:r>
+            <a:r>
+              <a:rPr lang="ja-JP" altLang="en-US" b="1" dirty="0" smtClean="0"/>
+              <a:t>統合依頼</a:t>
+            </a:r>
+            <a:r>
+              <a:rPr lang="en-US" altLang="ja-JP" b="1" dirty="0" smtClean="0"/>
+              <a:t>)</a:t>
+            </a:r>
+          </a:p>
+          <a:p>
             <a:r>
               <a:rPr lang="ja-JP" altLang="en-US" dirty="0" smtClean="0"/>
-              <a:t>運用方法</a:t>
+              <a:t>一旦コミットしたものの統合を依頼する。</a:t>
             </a:r>
             <a:endParaRPr lang="en-US" altLang="ja-JP" dirty="0" smtClean="0"/>
           </a:p>
           <a:p>
             <a:r>
-              <a:rPr kumimoji="1" lang="ja-JP" altLang="en-US" dirty="0" smtClean="0"/>
-              <a:t>実際に</a:t>
-            </a:r>
-            <a:r>
-              <a:rPr kumimoji="1" lang="en-US" altLang="ja-JP" dirty="0" smtClean="0"/>
-              <a:t>Unity</a:t>
-            </a:r>
-            <a:r>
-              <a:rPr kumimoji="1" lang="ja-JP" altLang="en-US" dirty="0" smtClean="0"/>
-              <a:t>で一人はプレイヤーを作り、もう一人はエネミーを作るという想定で、</a:t>
-            </a:r>
-            <a:endParaRPr kumimoji="1" lang="en-US" altLang="ja-JP" dirty="0" smtClean="0"/>
-          </a:p>
-          <a:p>
-            <a:r>
-              <a:rPr kumimoji="1" lang="ja-JP" altLang="en-US" dirty="0" smtClean="0"/>
-              <a:t>制作を行う。随所で利点なども挟んで行く。</a:t>
+              <a:rPr lang="en-US" altLang="ja-JP" b="1" dirty="0" smtClean="0"/>
+              <a:t>Projects</a:t>
+            </a:r>
+            <a:r>
+              <a:rPr lang="ja-JP" altLang="en-US" b="1" dirty="0" smtClean="0"/>
+              <a:t>（看板機能）</a:t>
+            </a:r>
+            <a:endParaRPr lang="en-US" altLang="ja-JP" b="1" dirty="0" smtClean="0"/>
+          </a:p>
+          <a:p>
+            <a:r>
+              <a:rPr lang="ja-JP" altLang="en-US" dirty="0" smtClean="0"/>
+              <a:t>現在誰がどの作業を割り振られているかより簡単に見える場所。</a:t>
             </a:r>
             <a:endParaRPr lang="en-US" altLang="ja-JP" dirty="0" smtClean="0"/>
           </a:p>
           <a:p>
-            <a:endParaRPr lang="en-US" altLang="ja-JP" dirty="0"/>
+            <a:r>
+              <a:rPr lang="en-US" altLang="ja-JP" b="1" dirty="0" smtClean="0"/>
+              <a:t>Wiki</a:t>
+            </a:r>
+            <a:r>
+              <a:rPr lang="ja-JP" altLang="en-US" b="1" dirty="0" smtClean="0"/>
+              <a:t>（概念説明）</a:t>
+            </a:r>
+            <a:endParaRPr lang="en-US" altLang="ja-JP" b="1" dirty="0" smtClean="0"/>
           </a:p>
           <a:p>
             <a:r>
               <a:rPr lang="ja-JP" altLang="en-US" dirty="0" smtClean="0"/>
-              <a:t>作成者</a:t>
-            </a:r>
-            <a:r>
-              <a:rPr lang="en-US" altLang="ja-JP" dirty="0" smtClean="0"/>
-              <a:t>.</a:t>
-            </a:r>
-            <a:r>
-              <a:rPr lang="en-US" altLang="ja-JP" dirty="0" err="1" smtClean="0"/>
-              <a:t>Github</a:t>
-            </a:r>
-            <a:r>
-              <a:rPr lang="ja-JP" altLang="en-US" dirty="0" err="1" smtClean="0"/>
-              <a:t>での</a:t>
+              <a:t>何を作っ</a:t>
+            </a:r>
+            <a:r>
+              <a:rPr lang="ja-JP" altLang="en-US" dirty="0"/>
+              <a:t>ている</a:t>
             </a:r>
             <a:r>
               <a:rPr lang="ja-JP" altLang="en-US" dirty="0" smtClean="0"/>
-              <a:t>チームでの招待などの説明。</a:t>
-            </a:r>
-            <a:endParaRPr lang="en-US" altLang="ja-JP" dirty="0" smtClean="0"/>
-          </a:p>
-          <a:p>
-            <a:r>
-              <a:rPr lang="ja-JP" altLang="en-US" dirty="0"/>
-              <a:t>作成者</a:t>
-            </a:r>
-            <a:r>
-              <a:rPr lang="en-US" altLang="ja-JP" dirty="0" smtClean="0"/>
-              <a:t>.</a:t>
-            </a:r>
-            <a:r>
-              <a:rPr lang="ja-JP" altLang="en-US" dirty="0" smtClean="0"/>
-              <a:t>基盤の作成。</a:t>
-            </a:r>
-            <a:endParaRPr lang="en-US" altLang="ja-JP" dirty="0" smtClean="0"/>
-          </a:p>
-          <a:p>
-            <a:r>
-              <a:rPr lang="ja-JP" altLang="en-US" dirty="0"/>
-              <a:t>共同者</a:t>
-            </a:r>
-            <a:r>
-              <a:rPr lang="en-US" altLang="ja-JP" dirty="0"/>
-              <a:t>.</a:t>
-            </a:r>
-            <a:r>
-              <a:rPr lang="ja-JP" altLang="en-US" dirty="0" smtClean="0"/>
-              <a:t>参加</a:t>
-            </a:r>
-            <a:endParaRPr lang="en-US" altLang="ja-JP" dirty="0" smtClean="0"/>
-          </a:p>
-          <a:p>
-            <a:r>
-              <a:rPr lang="ja-JP" altLang="en-US" dirty="0" smtClean="0"/>
-              <a:t>作成者＆共同者</a:t>
-            </a:r>
-            <a:r>
-              <a:rPr lang="en-US" altLang="ja-JP" dirty="0" smtClean="0"/>
-              <a:t>.</a:t>
-            </a:r>
-            <a:r>
-              <a:rPr lang="ja-JP" altLang="en-US" dirty="0" smtClean="0"/>
-              <a:t>各々の作業を開始。</a:t>
-            </a:r>
-            <a:endParaRPr lang="en-US" altLang="ja-JP" dirty="0" smtClean="0"/>
-          </a:p>
-          <a:p>
-            <a:r>
-              <a:rPr lang="ja-JP" altLang="en-US" dirty="0" smtClean="0"/>
-              <a:t>共同者</a:t>
-            </a:r>
-            <a:r>
-              <a:rPr lang="en-US" altLang="ja-JP" dirty="0" smtClean="0"/>
-              <a:t>.</a:t>
-            </a:r>
-            <a:r>
-              <a:rPr lang="en-US" altLang="ja-JP" dirty="0" err="1" smtClean="0"/>
-              <a:t>github</a:t>
-            </a:r>
-            <a:r>
-              <a:rPr lang="ja-JP" altLang="en-US" dirty="0" smtClean="0"/>
-              <a:t>にアップロード</a:t>
-            </a:r>
-            <a:endParaRPr lang="en-US" altLang="ja-JP" dirty="0" smtClean="0"/>
-          </a:p>
-          <a:p>
-            <a:r>
-              <a:rPr lang="ja-JP" altLang="en-US" dirty="0" smtClean="0"/>
-              <a:t>作成者アップロードを確認</a:t>
-            </a:r>
-            <a:r>
-              <a:rPr lang="ja-JP" altLang="en-US" dirty="0"/>
-              <a:t>と</a:t>
-            </a:r>
-            <a:r>
-              <a:rPr lang="ja-JP" altLang="en-US" dirty="0" smtClean="0"/>
-              <a:t>統合</a:t>
-            </a:r>
-            <a:endParaRPr lang="en-US" altLang="ja-JP" dirty="0"/>
-          </a:p>
-          <a:p>
-            <a:r>
-              <a:rPr lang="ja-JP" altLang="en-US" dirty="0" smtClean="0"/>
-              <a:t>共同者は違う方法で統合（エラーが出た場合に備えて</a:t>
+              <a:t>かどう作っているか？などを記載する場所</a:t>
             </a:r>
             <a:endParaRPr lang="en-US" altLang="ja-JP" dirty="0" smtClean="0"/>
           </a:p>
@@ -8936,7 +9212,7 @@
     </p:spTree>
     <p:extLst>
       <p:ext uri="{BB962C8B-B14F-4D97-AF65-F5344CB8AC3E}">
-        <p14:creationId xmlns:p14="http://schemas.microsoft.com/office/powerpoint/2010/main" val="2354177630"/>
+        <p14:creationId xmlns:p14="http://schemas.microsoft.com/office/powerpoint/2010/main" val="87034440"/>
       </p:ext>
     </p:extLst>
   </p:cSld>
@@ -8946,9 +9222,576 @@
   <p:timing>
     <p:tnLst>
       <p:par>
-        <p:cTn id="1" dur="indefinite" restart="never" nodeType="tmRoot"/>
+        <p:cTn id="1" dur="indefinite" restart="never" nodeType="tmRoot">
+          <p:childTnLst>
+            <p:seq concurrent="1" nextAc="seek">
+              <p:cTn id="2" dur="indefinite" nodeType="mainSeq">
+                <p:childTnLst>
+                  <p:par>
+                    <p:cTn id="3" fill="hold">
+                      <p:stCondLst>
+                        <p:cond delay="indefinite"/>
+                      </p:stCondLst>
+                      <p:childTnLst>
+                        <p:par>
+                          <p:cTn id="4" fill="hold">
+                            <p:stCondLst>
+                              <p:cond delay="0"/>
+                            </p:stCondLst>
+                            <p:childTnLst>
+                              <p:par>
+                                <p:cTn id="5" presetID="10" presetClass="entr" presetSubtype="0" fill="hold" grpId="0" nodeType="clickEffect">
+                                  <p:stCondLst>
+                                    <p:cond delay="0"/>
+                                  </p:stCondLst>
+                                  <p:childTnLst>
+                                    <p:set>
+                                      <p:cBhvr>
+                                        <p:cTn id="6" dur="1" fill="hold">
+                                          <p:stCondLst>
+                                            <p:cond delay="0"/>
+                                          </p:stCondLst>
+                                        </p:cTn>
+                                        <p:tgtEl>
+                                          <p:spTgt spid="6"/>
+                                        </p:tgtEl>
+                                        <p:attrNameLst>
+                                          <p:attrName>style.visibility</p:attrName>
+                                        </p:attrNameLst>
+                                      </p:cBhvr>
+                                      <p:to>
+                                        <p:strVal val="visible"/>
+                                      </p:to>
+                                    </p:set>
+                                    <p:animEffect transition="in" filter="fade">
+                                      <p:cBhvr>
+                                        <p:cTn id="7" dur="500"/>
+                                        <p:tgtEl>
+                                          <p:spTgt spid="6"/>
+                                        </p:tgtEl>
+                                      </p:cBhvr>
+                                    </p:animEffect>
+                                  </p:childTnLst>
+                                </p:cTn>
+                              </p:par>
+                            </p:childTnLst>
+                          </p:cTn>
+                        </p:par>
+                      </p:childTnLst>
+                    </p:cTn>
+                  </p:par>
+                  <p:par>
+                    <p:cTn id="8" fill="hold">
+                      <p:stCondLst>
+                        <p:cond delay="indefinite"/>
+                      </p:stCondLst>
+                      <p:childTnLst>
+                        <p:par>
+                          <p:cTn id="9" fill="hold">
+                            <p:stCondLst>
+                              <p:cond delay="0"/>
+                            </p:stCondLst>
+                            <p:childTnLst>
+                              <p:par>
+                                <p:cTn id="10" presetID="10" presetClass="entr" presetSubtype="0" fill="hold" nodeType="clickEffect">
+                                  <p:stCondLst>
+                                    <p:cond delay="0"/>
+                                  </p:stCondLst>
+                                  <p:childTnLst>
+                                    <p:set>
+                                      <p:cBhvr>
+                                        <p:cTn id="11" dur="1" fill="hold">
+                                          <p:stCondLst>
+                                            <p:cond delay="0"/>
+                                          </p:stCondLst>
+                                        </p:cTn>
+                                        <p:tgtEl>
+                                          <p:spTgt spid="7">
+                                            <p:txEl>
+                                              <p:pRg st="0" end="0"/>
+                                            </p:txEl>
+                                          </p:spTgt>
+                                        </p:tgtEl>
+                                        <p:attrNameLst>
+                                          <p:attrName>style.visibility</p:attrName>
+                                        </p:attrNameLst>
+                                      </p:cBhvr>
+                                      <p:to>
+                                        <p:strVal val="visible"/>
+                                      </p:to>
+                                    </p:set>
+                                    <p:animEffect transition="in" filter="fade">
+                                      <p:cBhvr>
+                                        <p:cTn id="12" dur="500"/>
+                                        <p:tgtEl>
+                                          <p:spTgt spid="7">
+                                            <p:txEl>
+                                              <p:pRg st="0" end="0"/>
+                                            </p:txEl>
+                                          </p:spTgt>
+                                        </p:tgtEl>
+                                      </p:cBhvr>
+                                    </p:animEffect>
+                                  </p:childTnLst>
+                                </p:cTn>
+                              </p:par>
+                            </p:childTnLst>
+                          </p:cTn>
+                        </p:par>
+                      </p:childTnLst>
+                    </p:cTn>
+                  </p:par>
+                  <p:par>
+                    <p:cTn id="13" fill="hold">
+                      <p:stCondLst>
+                        <p:cond delay="indefinite"/>
+                      </p:stCondLst>
+                      <p:childTnLst>
+                        <p:par>
+                          <p:cTn id="14" fill="hold">
+                            <p:stCondLst>
+                              <p:cond delay="0"/>
+                            </p:stCondLst>
+                            <p:childTnLst>
+                              <p:par>
+                                <p:cTn id="15" presetID="10" presetClass="entr" presetSubtype="0" fill="hold" nodeType="clickEffect">
+                                  <p:stCondLst>
+                                    <p:cond delay="0"/>
+                                  </p:stCondLst>
+                                  <p:childTnLst>
+                                    <p:set>
+                                      <p:cBhvr>
+                                        <p:cTn id="16" dur="1" fill="hold">
+                                          <p:stCondLst>
+                                            <p:cond delay="0"/>
+                                          </p:stCondLst>
+                                        </p:cTn>
+                                        <p:tgtEl>
+                                          <p:spTgt spid="7">
+                                            <p:txEl>
+                                              <p:pRg st="1" end="1"/>
+                                            </p:txEl>
+                                          </p:spTgt>
+                                        </p:tgtEl>
+                                        <p:attrNameLst>
+                                          <p:attrName>style.visibility</p:attrName>
+                                        </p:attrNameLst>
+                                      </p:cBhvr>
+                                      <p:to>
+                                        <p:strVal val="visible"/>
+                                      </p:to>
+                                    </p:set>
+                                    <p:animEffect transition="in" filter="fade">
+                                      <p:cBhvr>
+                                        <p:cTn id="17" dur="500"/>
+                                        <p:tgtEl>
+                                          <p:spTgt spid="7">
+                                            <p:txEl>
+                                              <p:pRg st="1" end="1"/>
+                                            </p:txEl>
+                                          </p:spTgt>
+                                        </p:tgtEl>
+                                      </p:cBhvr>
+                                    </p:animEffect>
+                                  </p:childTnLst>
+                                </p:cTn>
+                              </p:par>
+                            </p:childTnLst>
+                          </p:cTn>
+                        </p:par>
+                      </p:childTnLst>
+                    </p:cTn>
+                  </p:par>
+                  <p:par>
+                    <p:cTn id="18" fill="hold">
+                      <p:stCondLst>
+                        <p:cond delay="indefinite"/>
+                      </p:stCondLst>
+                      <p:childTnLst>
+                        <p:par>
+                          <p:cTn id="19" fill="hold">
+                            <p:stCondLst>
+                              <p:cond delay="0"/>
+                            </p:stCondLst>
+                            <p:childTnLst>
+                              <p:par>
+                                <p:cTn id="20" presetID="10" presetClass="entr" presetSubtype="0" fill="hold" nodeType="clickEffect">
+                                  <p:stCondLst>
+                                    <p:cond delay="0"/>
+                                  </p:stCondLst>
+                                  <p:childTnLst>
+                                    <p:set>
+                                      <p:cBhvr>
+                                        <p:cTn id="21" dur="1" fill="hold">
+                                          <p:stCondLst>
+                                            <p:cond delay="0"/>
+                                          </p:stCondLst>
+                                        </p:cTn>
+                                        <p:tgtEl>
+                                          <p:spTgt spid="7">
+                                            <p:txEl>
+                                              <p:pRg st="2" end="2"/>
+                                            </p:txEl>
+                                          </p:spTgt>
+                                        </p:tgtEl>
+                                        <p:attrNameLst>
+                                          <p:attrName>style.visibility</p:attrName>
+                                        </p:attrNameLst>
+                                      </p:cBhvr>
+                                      <p:to>
+                                        <p:strVal val="visible"/>
+                                      </p:to>
+                                    </p:set>
+                                    <p:animEffect transition="in" filter="fade">
+                                      <p:cBhvr>
+                                        <p:cTn id="22" dur="500"/>
+                                        <p:tgtEl>
+                                          <p:spTgt spid="7">
+                                            <p:txEl>
+                                              <p:pRg st="2" end="2"/>
+                                            </p:txEl>
+                                          </p:spTgt>
+                                        </p:tgtEl>
+                                      </p:cBhvr>
+                                    </p:animEffect>
+                                  </p:childTnLst>
+                                </p:cTn>
+                              </p:par>
+                            </p:childTnLst>
+                          </p:cTn>
+                        </p:par>
+                      </p:childTnLst>
+                    </p:cTn>
+                  </p:par>
+                  <p:par>
+                    <p:cTn id="23" fill="hold">
+                      <p:stCondLst>
+                        <p:cond delay="indefinite"/>
+                      </p:stCondLst>
+                      <p:childTnLst>
+                        <p:par>
+                          <p:cTn id="24" fill="hold">
+                            <p:stCondLst>
+                              <p:cond delay="0"/>
+                            </p:stCondLst>
+                            <p:childTnLst>
+                              <p:par>
+                                <p:cTn id="25" presetID="10" presetClass="entr" presetSubtype="0" fill="hold" nodeType="clickEffect">
+                                  <p:stCondLst>
+                                    <p:cond delay="0"/>
+                                  </p:stCondLst>
+                                  <p:childTnLst>
+                                    <p:set>
+                                      <p:cBhvr>
+                                        <p:cTn id="26" dur="1" fill="hold">
+                                          <p:stCondLst>
+                                            <p:cond delay="0"/>
+                                          </p:stCondLst>
+                                        </p:cTn>
+                                        <p:tgtEl>
+                                          <p:spTgt spid="7">
+                                            <p:txEl>
+                                              <p:pRg st="3" end="3"/>
+                                            </p:txEl>
+                                          </p:spTgt>
+                                        </p:tgtEl>
+                                        <p:attrNameLst>
+                                          <p:attrName>style.visibility</p:attrName>
+                                        </p:attrNameLst>
+                                      </p:cBhvr>
+                                      <p:to>
+                                        <p:strVal val="visible"/>
+                                      </p:to>
+                                    </p:set>
+                                    <p:animEffect transition="in" filter="fade">
+                                      <p:cBhvr>
+                                        <p:cTn id="27" dur="500"/>
+                                        <p:tgtEl>
+                                          <p:spTgt spid="7">
+                                            <p:txEl>
+                                              <p:pRg st="3" end="3"/>
+                                            </p:txEl>
+                                          </p:spTgt>
+                                        </p:tgtEl>
+                                      </p:cBhvr>
+                                    </p:animEffect>
+                                  </p:childTnLst>
+                                </p:cTn>
+                              </p:par>
+                            </p:childTnLst>
+                          </p:cTn>
+                        </p:par>
+                      </p:childTnLst>
+                    </p:cTn>
+                  </p:par>
+                  <p:par>
+                    <p:cTn id="28" fill="hold">
+                      <p:stCondLst>
+                        <p:cond delay="indefinite"/>
+                      </p:stCondLst>
+                      <p:childTnLst>
+                        <p:par>
+                          <p:cTn id="29" fill="hold">
+                            <p:stCondLst>
+                              <p:cond delay="0"/>
+                            </p:stCondLst>
+                            <p:childTnLst>
+                              <p:par>
+                                <p:cTn id="30" presetID="10" presetClass="entr" presetSubtype="0" fill="hold" nodeType="clickEffect">
+                                  <p:stCondLst>
+                                    <p:cond delay="0"/>
+                                  </p:stCondLst>
+                                  <p:childTnLst>
+                                    <p:set>
+                                      <p:cBhvr>
+                                        <p:cTn id="31" dur="1" fill="hold">
+                                          <p:stCondLst>
+                                            <p:cond delay="0"/>
+                                          </p:stCondLst>
+                                        </p:cTn>
+                                        <p:tgtEl>
+                                          <p:spTgt spid="7">
+                                            <p:txEl>
+                                              <p:pRg st="4" end="4"/>
+                                            </p:txEl>
+                                          </p:spTgt>
+                                        </p:tgtEl>
+                                        <p:attrNameLst>
+                                          <p:attrName>style.visibility</p:attrName>
+                                        </p:attrNameLst>
+                                      </p:cBhvr>
+                                      <p:to>
+                                        <p:strVal val="visible"/>
+                                      </p:to>
+                                    </p:set>
+                                    <p:animEffect transition="in" filter="fade">
+                                      <p:cBhvr>
+                                        <p:cTn id="32" dur="500"/>
+                                        <p:tgtEl>
+                                          <p:spTgt spid="7">
+                                            <p:txEl>
+                                              <p:pRg st="4" end="4"/>
+                                            </p:txEl>
+                                          </p:spTgt>
+                                        </p:tgtEl>
+                                      </p:cBhvr>
+                                    </p:animEffect>
+                                  </p:childTnLst>
+                                </p:cTn>
+                              </p:par>
+                            </p:childTnLst>
+                          </p:cTn>
+                        </p:par>
+                      </p:childTnLst>
+                    </p:cTn>
+                  </p:par>
+                  <p:par>
+                    <p:cTn id="33" fill="hold">
+                      <p:stCondLst>
+                        <p:cond delay="indefinite"/>
+                      </p:stCondLst>
+                      <p:childTnLst>
+                        <p:par>
+                          <p:cTn id="34" fill="hold">
+                            <p:stCondLst>
+                              <p:cond delay="0"/>
+                            </p:stCondLst>
+                            <p:childTnLst>
+                              <p:par>
+                                <p:cTn id="35" presetID="10" presetClass="entr" presetSubtype="0" fill="hold" nodeType="clickEffect">
+                                  <p:stCondLst>
+                                    <p:cond delay="0"/>
+                                  </p:stCondLst>
+                                  <p:childTnLst>
+                                    <p:set>
+                                      <p:cBhvr>
+                                        <p:cTn id="36" dur="1" fill="hold">
+                                          <p:stCondLst>
+                                            <p:cond delay="0"/>
+                                          </p:stCondLst>
+                                        </p:cTn>
+                                        <p:tgtEl>
+                                          <p:spTgt spid="7">
+                                            <p:txEl>
+                                              <p:pRg st="5" end="5"/>
+                                            </p:txEl>
+                                          </p:spTgt>
+                                        </p:tgtEl>
+                                        <p:attrNameLst>
+                                          <p:attrName>style.visibility</p:attrName>
+                                        </p:attrNameLst>
+                                      </p:cBhvr>
+                                      <p:to>
+                                        <p:strVal val="visible"/>
+                                      </p:to>
+                                    </p:set>
+                                    <p:animEffect transition="in" filter="fade">
+                                      <p:cBhvr>
+                                        <p:cTn id="37" dur="500"/>
+                                        <p:tgtEl>
+                                          <p:spTgt spid="7">
+                                            <p:txEl>
+                                              <p:pRg st="5" end="5"/>
+                                            </p:txEl>
+                                          </p:spTgt>
+                                        </p:tgtEl>
+                                      </p:cBhvr>
+                                    </p:animEffect>
+                                  </p:childTnLst>
+                                </p:cTn>
+                              </p:par>
+                            </p:childTnLst>
+                          </p:cTn>
+                        </p:par>
+                      </p:childTnLst>
+                    </p:cTn>
+                  </p:par>
+                  <p:par>
+                    <p:cTn id="38" fill="hold">
+                      <p:stCondLst>
+                        <p:cond delay="indefinite"/>
+                      </p:stCondLst>
+                      <p:childTnLst>
+                        <p:par>
+                          <p:cTn id="39" fill="hold">
+                            <p:stCondLst>
+                              <p:cond delay="0"/>
+                            </p:stCondLst>
+                            <p:childTnLst>
+                              <p:par>
+                                <p:cTn id="40" presetID="10" presetClass="entr" presetSubtype="0" fill="hold" nodeType="clickEffect">
+                                  <p:stCondLst>
+                                    <p:cond delay="0"/>
+                                  </p:stCondLst>
+                                  <p:childTnLst>
+                                    <p:set>
+                                      <p:cBhvr>
+                                        <p:cTn id="41" dur="1" fill="hold">
+                                          <p:stCondLst>
+                                            <p:cond delay="0"/>
+                                          </p:stCondLst>
+                                        </p:cTn>
+                                        <p:tgtEl>
+                                          <p:spTgt spid="7">
+                                            <p:txEl>
+                                              <p:pRg st="6" end="6"/>
+                                            </p:txEl>
+                                          </p:spTgt>
+                                        </p:tgtEl>
+                                        <p:attrNameLst>
+                                          <p:attrName>style.visibility</p:attrName>
+                                        </p:attrNameLst>
+                                      </p:cBhvr>
+                                      <p:to>
+                                        <p:strVal val="visible"/>
+                                      </p:to>
+                                    </p:set>
+                                    <p:animEffect transition="in" filter="fade">
+                                      <p:cBhvr>
+                                        <p:cTn id="42" dur="500"/>
+                                        <p:tgtEl>
+                                          <p:spTgt spid="7">
+                                            <p:txEl>
+                                              <p:pRg st="6" end="6"/>
+                                            </p:txEl>
+                                          </p:spTgt>
+                                        </p:tgtEl>
+                                      </p:cBhvr>
+                                    </p:animEffect>
+                                  </p:childTnLst>
+                                </p:cTn>
+                              </p:par>
+                            </p:childTnLst>
+                          </p:cTn>
+                        </p:par>
+                      </p:childTnLst>
+                    </p:cTn>
+                  </p:par>
+                  <p:par>
+                    <p:cTn id="43" fill="hold">
+                      <p:stCondLst>
+                        <p:cond delay="indefinite"/>
+                      </p:stCondLst>
+                      <p:childTnLst>
+                        <p:par>
+                          <p:cTn id="44" fill="hold">
+                            <p:stCondLst>
+                              <p:cond delay="0"/>
+                            </p:stCondLst>
+                            <p:childTnLst>
+                              <p:par>
+                                <p:cTn id="45" presetID="10" presetClass="entr" presetSubtype="0" fill="hold" nodeType="clickEffect">
+                                  <p:stCondLst>
+                                    <p:cond delay="0"/>
+                                  </p:stCondLst>
+                                  <p:childTnLst>
+                                    <p:set>
+                                      <p:cBhvr>
+                                        <p:cTn id="46" dur="1" fill="hold">
+                                          <p:stCondLst>
+                                            <p:cond delay="0"/>
+                                          </p:stCondLst>
+                                        </p:cTn>
+                                        <p:tgtEl>
+                                          <p:spTgt spid="7">
+                                            <p:txEl>
+                                              <p:pRg st="7" end="7"/>
+                                            </p:txEl>
+                                          </p:spTgt>
+                                        </p:tgtEl>
+                                        <p:attrNameLst>
+                                          <p:attrName>style.visibility</p:attrName>
+                                        </p:attrNameLst>
+                                      </p:cBhvr>
+                                      <p:to>
+                                        <p:strVal val="visible"/>
+                                      </p:to>
+                                    </p:set>
+                                    <p:animEffect transition="in" filter="fade">
+                                      <p:cBhvr>
+                                        <p:cTn id="47" dur="500"/>
+                                        <p:tgtEl>
+                                          <p:spTgt spid="7">
+                                            <p:txEl>
+                                              <p:pRg st="7" end="7"/>
+                                            </p:txEl>
+                                          </p:spTgt>
+                                        </p:tgtEl>
+                                      </p:cBhvr>
+                                    </p:animEffect>
+                                  </p:childTnLst>
+                                </p:cTn>
+                              </p:par>
+                            </p:childTnLst>
+                          </p:cTn>
+                        </p:par>
+                      </p:childTnLst>
+                    </p:cTn>
+                  </p:par>
+                </p:childTnLst>
+              </p:cTn>
+              <p:prevCondLst>
+                <p:cond evt="onPrev" delay="0">
+                  <p:tgtEl>
+                    <p:sldTgt/>
+                  </p:tgtEl>
+                </p:cond>
+              </p:prevCondLst>
+              <p:nextCondLst>
+                <p:cond evt="onNext" delay="0">
+                  <p:tgtEl>
+                    <p:sldTgt/>
+                  </p:tgtEl>
+                </p:cond>
+              </p:nextCondLst>
+            </p:seq>
+          </p:childTnLst>
+        </p:cTn>
       </p:par>
     </p:tnLst>
+    <p:bldLst>
+      <p:bldP spid="6" grpId="0"/>
+    </p:bldLst>
   </p:timing>
 </p:sld>
 </file>

--- a/new!GITHUB運用の勧め.pptx
+++ b/new!GITHUB運用の勧め.pptx
@@ -5,7 +5,7 @@
     <p:sldMasterId id="2147483648" r:id="rId1"/>
   </p:sldMasterIdLst>
   <p:notesMasterIdLst>
-    <p:notesMasterId r:id="rId12"/>
+    <p:notesMasterId r:id="rId13"/>
   </p:notesMasterIdLst>
   <p:sldIdLst>
     <p:sldId id="256" r:id="rId2"/>
@@ -18,6 +18,7 @@
     <p:sldId id="264" r:id="rId9"/>
     <p:sldId id="267" r:id="rId10"/>
     <p:sldId id="266" r:id="rId11"/>
+    <p:sldId id="268" r:id="rId12"/>
   </p:sldIdLst>
   <p:sldSz cx="12192000" cy="6858000"/>
   <p:notesSz cx="6858000" cy="9144000"/>
@@ -4085,6 +4086,202 @@
     <p:extLst>
       <p:ext uri="{BB962C8B-B14F-4D97-AF65-F5344CB8AC3E}">
         <p14:creationId xmlns:p14="http://schemas.microsoft.com/office/powerpoint/2010/main" val="2354177630"/>
+      </p:ext>
+    </p:extLst>
+  </p:cSld>
+  <p:clrMapOvr>
+    <a:masterClrMapping/>
+  </p:clrMapOvr>
+  <p:timing>
+    <p:tnLst>
+      <p:par>
+        <p:cTn id="1" dur="indefinite" restart="never" nodeType="tmRoot"/>
+      </p:par>
+    </p:tnLst>
+  </p:timing>
+</p:sld>
+</file>
+
+<file path=ppt/slides/slide11.xml><?xml version="1.0" encoding="utf-8"?>
+<p:sld xmlns:a="http://schemas.openxmlformats.org/drawingml/2006/main" xmlns:r="http://schemas.openxmlformats.org/officeDocument/2006/relationships" xmlns:p="http://schemas.openxmlformats.org/presentationml/2006/main">
+  <p:cSld>
+    <p:spTree>
+      <p:nvGrpSpPr>
+        <p:cNvPr id="1" name=""/>
+        <p:cNvGrpSpPr/>
+        <p:nvPr/>
+      </p:nvGrpSpPr>
+      <p:grpSpPr>
+        <a:xfrm>
+          <a:off x="0" y="0"/>
+          <a:ext cx="0" cy="0"/>
+          <a:chOff x="0" y="0"/>
+          <a:chExt cx="0" cy="0"/>
+        </a:xfrm>
+      </p:grpSpPr>
+      <p:pic>
+        <p:nvPicPr>
+          <p:cNvPr id="2" name="図 1"/>
+          <p:cNvPicPr>
+            <a:picLocks noChangeAspect="1"/>
+          </p:cNvPicPr>
+          <p:nvPr/>
+        </p:nvPicPr>
+        <p:blipFill>
+          <a:blip r:embed="rId2">
+            <a:extLst>
+              <a:ext uri="{28A0092B-C50C-407E-A947-70E740481C1C}">
+                <a14:useLocalDpi xmlns:a14="http://schemas.microsoft.com/office/drawing/2010/main" val="0"/>
+              </a:ext>
+            </a:extLst>
+          </a:blip>
+          <a:stretch>
+            <a:fillRect/>
+          </a:stretch>
+        </p:blipFill>
+        <p:spPr>
+          <a:xfrm>
+            <a:off x="0" y="5497393"/>
+            <a:ext cx="4685714" cy="1726984"/>
+          </a:xfrm>
+          <a:prstGeom prst="rect">
+            <a:avLst/>
+          </a:prstGeom>
+        </p:spPr>
+      </p:pic>
+      <p:sp>
+        <p:nvSpPr>
+          <p:cNvPr id="13" name="テキスト ボックス 12"/>
+          <p:cNvSpPr txBox="1"/>
+          <p:nvPr/>
+        </p:nvSpPr>
+        <p:spPr>
+          <a:xfrm>
+            <a:off x="9795587" y="2577003"/>
+            <a:ext cx="1040670" cy="1015663"/>
+          </a:xfrm>
+          <a:prstGeom prst="rect">
+            <a:avLst/>
+          </a:prstGeom>
+          <a:noFill/>
+        </p:spPr>
+        <p:txBody>
+          <a:bodyPr wrap="none" rtlCol="0">
+            <a:spAutoFit/>
+          </a:bodyPr>
+          <a:lstStyle/>
+          <a:p>
+            <a:r>
+              <a:rPr kumimoji="1" lang="en-US" altLang="ja-JP" sz="6000" dirty="0" smtClean="0"/>
+              <a:t>10</a:t>
+            </a:r>
+            <a:endParaRPr kumimoji="1" lang="ja-JP" altLang="en-US" sz="6000" dirty="0"/>
+          </a:p>
+        </p:txBody>
+      </p:sp>
+      <p:sp>
+        <p:nvSpPr>
+          <p:cNvPr id="4" name="テキスト ボックス 3"/>
+          <p:cNvSpPr txBox="1"/>
+          <p:nvPr/>
+        </p:nvSpPr>
+        <p:spPr>
+          <a:xfrm>
+            <a:off x="640080" y="1387546"/>
+            <a:ext cx="7423827" cy="1569660"/>
+          </a:xfrm>
+          <a:prstGeom prst="rect">
+            <a:avLst/>
+          </a:prstGeom>
+          <a:noFill/>
+        </p:spPr>
+        <p:txBody>
+          <a:bodyPr wrap="none" rtlCol="0">
+            <a:spAutoFit/>
+          </a:bodyPr>
+          <a:lstStyle/>
+          <a:p>
+            <a:r>
+              <a:rPr lang="ja-JP" altLang="en-US" sz="2400" b="1" dirty="0" smtClean="0"/>
+              <a:t>序盤の落とし穴</a:t>
+            </a:r>
+            <a:r>
+              <a:rPr lang="en-US" altLang="ja-JP" sz="2400" b="1" dirty="0" smtClean="0"/>
+              <a:t>1</a:t>
+            </a:r>
+          </a:p>
+          <a:p>
+            <a:r>
+              <a:rPr lang="ja-JP" altLang="en-US" sz="2400" dirty="0" smtClean="0"/>
+              <a:t>プロキシ設定を忘れる</a:t>
+            </a:r>
+            <a:endParaRPr lang="en-US" altLang="ja-JP" sz="2400" dirty="0" smtClean="0"/>
+          </a:p>
+          <a:p>
+            <a:r>
+              <a:rPr lang="ja-JP" altLang="en-US" sz="2400" b="1" dirty="0" smtClean="0"/>
+              <a:t>序盤の落とし穴</a:t>
+            </a:r>
+            <a:r>
+              <a:rPr lang="en-US" altLang="ja-JP" sz="2400" b="1" dirty="0" smtClean="0"/>
+              <a:t>2</a:t>
+            </a:r>
+          </a:p>
+          <a:p>
+            <a:r>
+              <a:rPr lang="en-US" altLang="ja-JP" sz="2400" dirty="0" smtClean="0"/>
+              <a:t>Assets</a:t>
+            </a:r>
+            <a:r>
+              <a:rPr lang="ja-JP" altLang="en-US" sz="2400" dirty="0" smtClean="0"/>
+              <a:t>を含めなくて、</a:t>
+            </a:r>
+            <a:r>
+              <a:rPr lang="en-US" altLang="ja-JP" sz="2400" dirty="0" smtClean="0"/>
+              <a:t>Unity</a:t>
+            </a:r>
+            <a:r>
+              <a:rPr lang="ja-JP" altLang="en-US" sz="2400" dirty="0" smtClean="0"/>
+              <a:t>側で認識してもらえない</a:t>
+            </a:r>
+            <a:endParaRPr lang="en-US" altLang="ja-JP" sz="2400" dirty="0" smtClean="0"/>
+          </a:p>
+        </p:txBody>
+      </p:sp>
+      <p:pic>
+        <p:nvPicPr>
+          <p:cNvPr id="6" name="図 5"/>
+          <p:cNvPicPr>
+            <a:picLocks noChangeAspect="1"/>
+          </p:cNvPicPr>
+          <p:nvPr/>
+        </p:nvPicPr>
+        <p:blipFill>
+          <a:blip r:embed="rId3">
+            <a:extLst>
+              <a:ext uri="{28A0092B-C50C-407E-A947-70E740481C1C}">
+                <a14:useLocalDpi xmlns:a14="http://schemas.microsoft.com/office/drawing/2010/main" val="0"/>
+              </a:ext>
+            </a:extLst>
+          </a:blip>
+          <a:stretch>
+            <a:fillRect/>
+          </a:stretch>
+        </p:blipFill>
+        <p:spPr>
+          <a:xfrm>
+            <a:off x="6973751" y="3337409"/>
+            <a:ext cx="5218249" cy="4181289"/>
+          </a:xfrm>
+          <a:prstGeom prst="rect">
+            <a:avLst/>
+          </a:prstGeom>
+        </p:spPr>
+      </p:pic>
+    </p:spTree>
+    <p:extLst>
+      <p:ext uri="{BB962C8B-B14F-4D97-AF65-F5344CB8AC3E}">
+        <p14:creationId xmlns:p14="http://schemas.microsoft.com/office/powerpoint/2010/main" val="966376532"/>
       </p:ext>
     </p:extLst>
   </p:cSld>
